--- a/13_ConditionStatement.pptx
+++ b/13_ConditionStatement.pptx
@@ -3724,7 +3724,7 @@
                   <a:schemeClr val="tx1"/>
                 </a:solidFill>
               </a:rPr>
-              <a:t>Logical Operator</a:t>
+              <a:t>Coitional Statement</a:t>
             </a:r>
           </a:p>
         </p:txBody>
@@ -4277,10 +4277,10 @@
       </p:sp>
       <p:pic>
         <p:nvPicPr>
-          <p:cNvPr id="8" name="Picture 7">
+          <p:cNvPr id="7" name="Picture 6">
             <a:extLst>
               <a:ext uri="{FF2B5EF4-FFF2-40B4-BE49-F238E27FC236}">
-                <a16:creationId xmlns:a16="http://schemas.microsoft.com/office/drawing/2014/main" id="{CFF0CF58-46FA-4F28-B2D7-4286F52557CD}"/>
+                <a16:creationId xmlns:a16="http://schemas.microsoft.com/office/drawing/2014/main" id="{0B7EFB9D-00C1-49AE-B49D-B92DC8D82629}"/>
               </a:ext>
             </a:extLst>
           </p:cNvPr>
@@ -4297,8 +4297,8 @@
         </p:blipFill>
         <p:spPr>
           <a:xfrm>
-            <a:off x="3419872" y="1259755"/>
-            <a:ext cx="3476625" cy="5410200"/>
+            <a:off x="3203848" y="1268759"/>
+            <a:ext cx="3124200" cy="3657600"/>
           </a:xfrm>
           <a:prstGeom prst="rect">
             <a:avLst/>
@@ -4765,10 +4765,10 @@
       </p:pic>
       <p:pic>
         <p:nvPicPr>
-          <p:cNvPr id="7" name="Picture 6">
+          <p:cNvPr id="9" name="Picture 8">
             <a:extLst>
               <a:ext uri="{FF2B5EF4-FFF2-40B4-BE49-F238E27FC236}">
-                <a16:creationId xmlns:a16="http://schemas.microsoft.com/office/drawing/2014/main" id="{B787FBC8-FC60-4FB2-BE0B-A3EBC4582A47}"/>
+                <a16:creationId xmlns:a16="http://schemas.microsoft.com/office/drawing/2014/main" id="{2E9085F2-42E5-4506-A12F-C0DC76A29C0E}"/>
               </a:ext>
             </a:extLst>
           </p:cNvPr>
@@ -4785,8 +4785,8 @@
         </p:blipFill>
         <p:spPr>
           <a:xfrm>
-            <a:off x="5210175" y="2072383"/>
-            <a:ext cx="2686050" cy="1733550"/>
+            <a:off x="5191125" y="2028825"/>
+            <a:ext cx="2724150" cy="1400175"/>
           </a:xfrm>
           <a:prstGeom prst="rect">
             <a:avLst/>
